--- a/PRESENTACION ENTRGABLES 2/Entregables 2.pptx
+++ b/PRESENTACION ENTRGABLES 2/Entregables 2.pptx
@@ -5,7 +5,7 @@
     <p:sldMasterId id="2147483648" r:id="rId1"/>
   </p:sldMasterIdLst>
   <p:notesMasterIdLst>
-    <p:notesMasterId r:id="rId38"/>
+    <p:notesMasterId r:id="rId40"/>
   </p:notesMasterIdLst>
   <p:sldIdLst>
     <p:sldId id="256" r:id="rId2"/>
@@ -42,32 +42,34 @@
     <p:sldId id="271" r:id="rId33"/>
     <p:sldId id="293" r:id="rId34"/>
     <p:sldId id="294" r:id="rId35"/>
-    <p:sldId id="283" r:id="rId36"/>
-    <p:sldId id="284" r:id="rId37"/>
+    <p:sldId id="303" r:id="rId36"/>
+    <p:sldId id="283" r:id="rId37"/>
+    <p:sldId id="304" r:id="rId38"/>
+    <p:sldId id="284" r:id="rId39"/>
   </p:sldIdLst>
   <p:sldSz cx="12192000" cy="6858000"/>
   <p:notesSz cx="6858000" cy="9144000"/>
   <p:embeddedFontLst>
     <p:embeddedFont>
       <p:font typeface="Calibri" panose="020F0502020204030204" pitchFamily="34" charset="0"/>
-      <p:regular r:id="rId39"/>
-      <p:bold r:id="rId40"/>
-      <p:italic r:id="rId41"/>
-      <p:boldItalic r:id="rId42"/>
+      <p:regular r:id="rId41"/>
+      <p:bold r:id="rId42"/>
+      <p:italic r:id="rId43"/>
+      <p:boldItalic r:id="rId44"/>
     </p:embeddedFont>
     <p:embeddedFont>
       <p:font typeface="Work Sans" pitchFamily="2" charset="0"/>
-      <p:regular r:id="rId43"/>
-      <p:bold r:id="rId44"/>
-      <p:italic r:id="rId45"/>
-      <p:boldItalic r:id="rId46"/>
+      <p:regular r:id="rId45"/>
+      <p:bold r:id="rId46"/>
+      <p:italic r:id="rId47"/>
+      <p:boldItalic r:id="rId48"/>
     </p:embeddedFont>
     <p:embeddedFont>
       <p:font typeface="Work Sans Medium" pitchFamily="2" charset="0"/>
-      <p:regular r:id="rId47"/>
-      <p:bold r:id="rId48"/>
-      <p:italic r:id="rId49"/>
-      <p:boldItalic r:id="rId50"/>
+      <p:regular r:id="rId49"/>
+      <p:bold r:id="rId50"/>
+      <p:italic r:id="rId51"/>
+      <p:boldItalic r:id="rId52"/>
     </p:embeddedFont>
   </p:embeddedFontLst>
   <p:defaultTextStyle>
@@ -320,7 +322,7 @@
       </p15:sldGuideLst>
     </p:ext>
     <p:ext uri="GoogleSlidesCustomDataVersion2">
-      <go:slidesCustomData xmlns="" xmlns:mc="http://schemas.openxmlformats.org/markup-compatibility/2006" xmlns:mv="urn:schemas-microsoft-com:mac:vml" xmlns:c="http://schemas.openxmlformats.org/drawingml/2006/chart" xmlns:dgm="http://schemas.openxmlformats.org/drawingml/2006/diagram" xmlns:o="urn:schemas-microsoft-com:office:office" xmlns:v="urn:schemas-microsoft-com:vml" xmlns:pvml="urn:schemas-microsoft-com:office:powerpoint" xmlns:com="http://schemas.openxmlformats.org/drawingml/2006/compatibility" xmlns:p14="http://schemas.microsoft.com/office/powerpoint/2010/main" xmlns:p15="http://schemas.microsoft.com/office/powerpoint/2012/main" xmlns:ahyp="http://schemas.microsoft.com/office/drawing/2018/hyperlinkcolor" xmlns:go="http://customooxmlschemas.google.com/" r:id="rId51" roundtripDataSignature="AMtx7mi7HwvW2x/uPdzjakfDI4jAB7LRKg=="/>
+      <go:slidesCustomData xmlns:go="http://customooxmlschemas.google.com/" xmlns:ahyp="http://schemas.microsoft.com/office/drawing/2018/hyperlinkcolor" xmlns:p15="http://schemas.microsoft.com/office/powerpoint/2012/main" xmlns:p14="http://schemas.microsoft.com/office/powerpoint/2010/main" xmlns:com="http://schemas.openxmlformats.org/drawingml/2006/compatibility" xmlns:pvml="urn:schemas-microsoft-com:office:powerpoint" xmlns:v="urn:schemas-microsoft-com:vml" xmlns:o="urn:schemas-microsoft-com:office:office" xmlns:dgm="http://schemas.openxmlformats.org/drawingml/2006/diagram" xmlns:c="http://schemas.openxmlformats.org/drawingml/2006/chart" xmlns:mv="urn:schemas-microsoft-com:mac:vml" xmlns:mc="http://schemas.openxmlformats.org/markup-compatibility/2006" xmlns="" r:id="rId53" roundtripDataSignature="AMtx7mi7HwvW2x/uPdzjakfDI4jAB7LRKg=="/>
     </p:ext>
   </p:extLst>
 </p:presentation>
@@ -4491,6 +4493,115 @@
   <p:cSld>
     <p:spTree>
       <p:nvGrpSpPr>
+        <p:cNvPr id="1" name="Shape 182"/>
+        <p:cNvGrpSpPr/>
+        <p:nvPr/>
+      </p:nvGrpSpPr>
+      <p:grpSpPr>
+        <a:xfrm>
+          <a:off x="0" y="0"/>
+          <a:ext cx="0" cy="0"/>
+          <a:chOff x="0" y="0"/>
+          <a:chExt cx="0" cy="0"/>
+        </a:xfrm>
+      </p:grpSpPr>
+      <p:sp>
+        <p:nvSpPr>
+          <p:cNvPr id="183" name="Google Shape;183;p14:notes"/>
+          <p:cNvSpPr txBox="1">
+            <a:spLocks noGrp="1"/>
+          </p:cNvSpPr>
+          <p:nvPr>
+            <p:ph type="body" idx="1"/>
+          </p:nvPr>
+        </p:nvSpPr>
+        <p:spPr>
+          <a:xfrm>
+            <a:off x="685800" y="4400550"/>
+            <a:ext cx="5486400" cy="3600450"/>
+          </a:xfrm>
+          <a:prstGeom prst="rect">
+            <a:avLst/>
+          </a:prstGeom>
+        </p:spPr>
+        <p:txBody>
+          <a:bodyPr spcFirstLastPara="1" wrap="square" lIns="91425" tIns="45700" rIns="91425" bIns="45700" anchor="t" anchorCtr="0">
+            <a:noAutofit/>
+          </a:bodyPr>
+          <a:lstStyle/>
+          <a:p>
+            <a:pPr marL="0" lvl="0" indent="0" algn="l" rtl="0">
+              <a:spcBef>
+                <a:spcPts val="0"/>
+              </a:spcBef>
+              <a:spcAft>
+                <a:spcPts val="0"/>
+              </a:spcAft>
+              <a:buNone/>
+            </a:pPr>
+            <a:endParaRPr/>
+          </a:p>
+        </p:txBody>
+      </p:sp>
+      <p:sp>
+        <p:nvSpPr>
+          <p:cNvPr id="184" name="Google Shape;184;p14:notes"/>
+          <p:cNvSpPr>
+            <a:spLocks noGrp="1" noRot="1" noChangeAspect="1"/>
+          </p:cNvSpPr>
+          <p:nvPr>
+            <p:ph type="sldImg" idx="2"/>
+          </p:nvPr>
+        </p:nvSpPr>
+        <p:spPr>
+          <a:xfrm>
+            <a:off x="685800" y="1143000"/>
+            <a:ext cx="5486400" cy="3086100"/>
+          </a:xfrm>
+          <a:custGeom>
+            <a:avLst/>
+            <a:gdLst/>
+            <a:ahLst/>
+            <a:cxnLst/>
+            <a:rect l="l" t="t" r="r" b="b"/>
+            <a:pathLst>
+              <a:path w="120000" h="120000" extrusionOk="0">
+                <a:moveTo>
+                  <a:pt x="0" y="0"/>
+                </a:moveTo>
+                <a:lnTo>
+                  <a:pt x="120000" y="0"/>
+                </a:lnTo>
+                <a:lnTo>
+                  <a:pt x="120000" y="120000"/>
+                </a:lnTo>
+                <a:lnTo>
+                  <a:pt x="0" y="120000"/>
+                </a:lnTo>
+                <a:close/>
+              </a:path>
+            </a:pathLst>
+          </a:custGeom>
+        </p:spPr>
+      </p:sp>
+    </p:spTree>
+    <p:extLst>
+      <p:ext uri="{BB962C8B-B14F-4D97-AF65-F5344CB8AC3E}">
+        <p14:creationId xmlns:p14="http://schemas.microsoft.com/office/powerpoint/2010/main" val="3767957301"/>
+      </p:ext>
+    </p:extLst>
+  </p:cSld>
+  <p:clrMapOvr>
+    <a:masterClrMapping/>
+  </p:clrMapOvr>
+</p:notes>
+</file>
+
+<file path=ppt/notesSlides/notesSlide36.xml><?xml version="1.0" encoding="utf-8"?>
+<p:notes xmlns:a="http://schemas.openxmlformats.org/drawingml/2006/main" xmlns:r="http://schemas.openxmlformats.org/officeDocument/2006/relationships" xmlns:p="http://schemas.openxmlformats.org/presentationml/2006/main" showMasterSp="0" showMasterPhAnim="0">
+  <p:cSld>
+    <p:spTree>
+      <p:nvGrpSpPr>
         <p:cNvPr id="1" name="Shape 275"/>
         <p:cNvGrpSpPr/>
         <p:nvPr/>
@@ -4590,7 +4701,116 @@
 </p:notes>
 </file>
 
-<file path=ppt/notesSlides/notesSlide36.xml><?xml version="1.0" encoding="utf-8"?>
+<file path=ppt/notesSlides/notesSlide37.xml><?xml version="1.0" encoding="utf-8"?>
+<p:notes xmlns:a="http://schemas.openxmlformats.org/drawingml/2006/main" xmlns:r="http://schemas.openxmlformats.org/officeDocument/2006/relationships" xmlns:p="http://schemas.openxmlformats.org/presentationml/2006/main" showMasterSp="0" showMasterPhAnim="0">
+  <p:cSld>
+    <p:spTree>
+      <p:nvGrpSpPr>
+        <p:cNvPr id="1" name="Shape 275"/>
+        <p:cNvGrpSpPr/>
+        <p:nvPr/>
+      </p:nvGrpSpPr>
+      <p:grpSpPr>
+        <a:xfrm>
+          <a:off x="0" y="0"/>
+          <a:ext cx="0" cy="0"/>
+          <a:chOff x="0" y="0"/>
+          <a:chExt cx="0" cy="0"/>
+        </a:xfrm>
+      </p:grpSpPr>
+      <p:sp>
+        <p:nvSpPr>
+          <p:cNvPr id="276" name="Google Shape;276;p28:notes"/>
+          <p:cNvSpPr txBox="1">
+            <a:spLocks noGrp="1"/>
+          </p:cNvSpPr>
+          <p:nvPr>
+            <p:ph type="body" idx="1"/>
+          </p:nvPr>
+        </p:nvSpPr>
+        <p:spPr>
+          <a:xfrm>
+            <a:off x="685800" y="4400550"/>
+            <a:ext cx="5486400" cy="3600450"/>
+          </a:xfrm>
+          <a:prstGeom prst="rect">
+            <a:avLst/>
+          </a:prstGeom>
+        </p:spPr>
+        <p:txBody>
+          <a:bodyPr spcFirstLastPara="1" wrap="square" lIns="91425" tIns="45700" rIns="91425" bIns="45700" anchor="t" anchorCtr="0">
+            <a:noAutofit/>
+          </a:bodyPr>
+          <a:lstStyle/>
+          <a:p>
+            <a:pPr marL="0" lvl="0" indent="0" algn="l" rtl="0">
+              <a:spcBef>
+                <a:spcPts val="0"/>
+              </a:spcBef>
+              <a:spcAft>
+                <a:spcPts val="0"/>
+              </a:spcAft>
+              <a:buNone/>
+            </a:pPr>
+            <a:endParaRPr/>
+          </a:p>
+        </p:txBody>
+      </p:sp>
+      <p:sp>
+        <p:nvSpPr>
+          <p:cNvPr id="277" name="Google Shape;277;p28:notes"/>
+          <p:cNvSpPr>
+            <a:spLocks noGrp="1" noRot="1" noChangeAspect="1"/>
+          </p:cNvSpPr>
+          <p:nvPr>
+            <p:ph type="sldImg" idx="2"/>
+          </p:nvPr>
+        </p:nvSpPr>
+        <p:spPr>
+          <a:xfrm>
+            <a:off x="685800" y="1143000"/>
+            <a:ext cx="5486400" cy="3086100"/>
+          </a:xfrm>
+          <a:custGeom>
+            <a:avLst/>
+            <a:gdLst/>
+            <a:ahLst/>
+            <a:cxnLst/>
+            <a:rect l="l" t="t" r="r" b="b"/>
+            <a:pathLst>
+              <a:path w="120000" h="120000" extrusionOk="0">
+                <a:moveTo>
+                  <a:pt x="0" y="0"/>
+                </a:moveTo>
+                <a:lnTo>
+                  <a:pt x="120000" y="0"/>
+                </a:lnTo>
+                <a:lnTo>
+                  <a:pt x="120000" y="120000"/>
+                </a:lnTo>
+                <a:lnTo>
+                  <a:pt x="0" y="120000"/>
+                </a:lnTo>
+                <a:close/>
+              </a:path>
+            </a:pathLst>
+          </a:custGeom>
+        </p:spPr>
+      </p:sp>
+    </p:spTree>
+    <p:extLst>
+      <p:ext uri="{BB962C8B-B14F-4D97-AF65-F5344CB8AC3E}">
+        <p14:creationId xmlns:p14="http://schemas.microsoft.com/office/powerpoint/2010/main" val="3332301882"/>
+      </p:ext>
+    </p:extLst>
+  </p:cSld>
+  <p:clrMapOvr>
+    <a:masterClrMapping/>
+  </p:clrMapOvr>
+</p:notes>
+</file>
+
+<file path=ppt/notesSlides/notesSlide38.xml><?xml version="1.0" encoding="utf-8"?>
 <p:notes xmlns:a="http://schemas.openxmlformats.org/drawingml/2006/main" xmlns:r="http://schemas.openxmlformats.org/officeDocument/2006/relationships" xmlns:p="http://schemas.openxmlformats.org/presentationml/2006/main" showMasterSp="0" showMasterPhAnim="0">
   <p:cSld>
     <p:spTree>
@@ -20705,7 +20925,7 @@
                 <a:cs typeface="Work Sans"/>
                 <a:sym typeface="Work Sans"/>
               </a:rPr>
-              <a:t>DIAGRAMAS DE DESPLIEGUE</a:t>
+              <a:t>DIAGRAMAS DE PROCESOS</a:t>
             </a:r>
             <a:endParaRPr sz="4800" b="1" u="none" strike="noStrike" cap="none" dirty="0">
               <a:solidFill>
@@ -21437,6 +21657,364 @@
     </p:bg>
     <p:spTree>
       <p:nvGrpSpPr>
+        <p:cNvPr id="1" name="Shape 185"/>
+        <p:cNvGrpSpPr/>
+        <p:nvPr/>
+      </p:nvGrpSpPr>
+      <p:grpSpPr>
+        <a:xfrm>
+          <a:off x="0" y="0"/>
+          <a:ext cx="0" cy="0"/>
+          <a:chOff x="0" y="0"/>
+          <a:chExt cx="0" cy="0"/>
+        </a:xfrm>
+      </p:grpSpPr>
+      <p:sp>
+        <p:nvSpPr>
+          <p:cNvPr id="186" name="Google Shape;186;p14"/>
+          <p:cNvSpPr/>
+          <p:nvPr/>
+        </p:nvSpPr>
+        <p:spPr>
+          <a:xfrm>
+            <a:off x="3423628" y="3954050"/>
+            <a:ext cx="5344743" cy="369332"/>
+          </a:xfrm>
+          <a:prstGeom prst="rect">
+            <a:avLst/>
+          </a:prstGeom>
+          <a:noFill/>
+          <a:ln>
+            <a:noFill/>
+          </a:ln>
+        </p:spPr>
+        <p:txBody>
+          <a:bodyPr spcFirstLastPara="1" wrap="square" lIns="91425" tIns="45700" rIns="91425" bIns="45700" anchor="t" anchorCtr="0">
+            <a:spAutoFit/>
+          </a:bodyPr>
+          <a:lstStyle/>
+          <a:p>
+            <a:pPr marL="0" marR="0" lvl="0" indent="0" algn="l" rtl="0">
+              <a:lnSpc>
+                <a:spcPct val="90000"/>
+              </a:lnSpc>
+              <a:spcBef>
+                <a:spcPts val="0"/>
+              </a:spcBef>
+              <a:spcAft>
+                <a:spcPts val="0"/>
+              </a:spcAft>
+              <a:buNone/>
+            </a:pPr>
+            <a:endParaRPr sz="2000">
+              <a:solidFill>
+                <a:schemeClr val="lt1"/>
+              </a:solidFill>
+              <a:latin typeface="Work Sans Medium"/>
+              <a:ea typeface="Work Sans Medium"/>
+              <a:cs typeface="Work Sans Medium"/>
+              <a:sym typeface="Work Sans Medium"/>
+            </a:endParaRPr>
+          </a:p>
+        </p:txBody>
+      </p:sp>
+      <p:sp>
+        <p:nvSpPr>
+          <p:cNvPr id="187" name="Google Shape;187;p14"/>
+          <p:cNvSpPr txBox="1"/>
+          <p:nvPr/>
+        </p:nvSpPr>
+        <p:spPr>
+          <a:xfrm>
+            <a:off x="-534041" y="2623935"/>
+            <a:ext cx="13490187" cy="830997"/>
+          </a:xfrm>
+          <a:prstGeom prst="rect">
+            <a:avLst/>
+          </a:prstGeom>
+          <a:noFill/>
+          <a:ln>
+            <a:noFill/>
+          </a:ln>
+        </p:spPr>
+        <p:txBody>
+          <a:bodyPr spcFirstLastPara="1" wrap="square" lIns="91425" tIns="45700" rIns="91425" bIns="45700" anchor="t" anchorCtr="0">
+            <a:spAutoFit/>
+          </a:bodyPr>
+          <a:lstStyle/>
+          <a:p>
+            <a:pPr marL="0" marR="0" lvl="0" indent="0" algn="ctr" rtl="0">
+              <a:lnSpc>
+                <a:spcPct val="100000"/>
+              </a:lnSpc>
+              <a:spcBef>
+                <a:spcPts val="0"/>
+              </a:spcBef>
+              <a:spcAft>
+                <a:spcPts val="0"/>
+              </a:spcAft>
+              <a:buClr>
+                <a:schemeClr val="lt1"/>
+              </a:buClr>
+              <a:buSzPts val="4800"/>
+              <a:buFont typeface="Work Sans"/>
+              <a:buNone/>
+            </a:pPr>
+            <a:r>
+              <a:rPr lang="es-ES" sz="4800" b="1" dirty="0">
+                <a:solidFill>
+                  <a:schemeClr val="lt1"/>
+                </a:solidFill>
+                <a:latin typeface="Work Sans"/>
+                <a:ea typeface="Work Sans"/>
+                <a:cs typeface="Work Sans"/>
+                <a:sym typeface="Work Sans"/>
+              </a:rPr>
+              <a:t>DIAGRAMAS DE DESPLIEGUE</a:t>
+            </a:r>
+            <a:endParaRPr sz="4800" b="1" u="none" strike="noStrike" cap="none" dirty="0">
+              <a:solidFill>
+                <a:schemeClr val="lt1"/>
+              </a:solidFill>
+              <a:latin typeface="Work Sans"/>
+              <a:ea typeface="Work Sans"/>
+              <a:cs typeface="Work Sans"/>
+              <a:sym typeface="Work Sans"/>
+            </a:endParaRPr>
+          </a:p>
+        </p:txBody>
+      </p:sp>
+      <p:cxnSp>
+        <p:nvCxnSpPr>
+          <p:cNvPr id="188" name="Google Shape;188;p14"/>
+          <p:cNvCxnSpPr/>
+          <p:nvPr/>
+        </p:nvCxnSpPr>
+        <p:spPr>
+          <a:xfrm>
+            <a:off x="5013630" y="3555133"/>
+            <a:ext cx="2247544" cy="0"/>
+          </a:xfrm>
+          <a:prstGeom prst="straightConnector1">
+            <a:avLst/>
+          </a:prstGeom>
+          <a:noFill/>
+          <a:ln w="12700" cap="flat" cmpd="sng">
+            <a:solidFill>
+              <a:schemeClr val="lt1"/>
+            </a:solidFill>
+            <a:prstDash val="solid"/>
+            <a:miter lim="800000"/>
+            <a:headEnd type="none" w="sm" len="sm"/>
+            <a:tailEnd type="none" w="sm" len="sm"/>
+          </a:ln>
+        </p:spPr>
+      </p:cxnSp>
+    </p:spTree>
+    <p:extLst>
+      <p:ext uri="{BB962C8B-B14F-4D97-AF65-F5344CB8AC3E}">
+        <p14:creationId xmlns:p14="http://schemas.microsoft.com/office/powerpoint/2010/main" val="1403936772"/>
+      </p:ext>
+    </p:extLst>
+  </p:cSld>
+  <p:clrMapOvr>
+    <a:masterClrMapping/>
+  </p:clrMapOvr>
+</p:sld>
+</file>
+
+<file path=ppt/slides/slide36.xml><?xml version="1.0" encoding="utf-8"?>
+<p:sld xmlns:a="http://schemas.openxmlformats.org/drawingml/2006/main" xmlns:r="http://schemas.openxmlformats.org/officeDocument/2006/relationships" xmlns:p="http://schemas.openxmlformats.org/presentationml/2006/main">
+  <p:cSld>
+    <p:bg>
+      <p:bgPr>
+        <a:blipFill>
+          <a:blip r:embed="rId3">
+            <a:alphaModFix/>
+          </a:blip>
+          <a:stretch>
+            <a:fillRect/>
+          </a:stretch>
+        </a:blipFill>
+        <a:effectLst/>
+      </p:bgPr>
+    </p:bg>
+    <p:spTree>
+      <p:nvGrpSpPr>
+        <p:cNvPr id="1" name="Shape 278"/>
+        <p:cNvGrpSpPr/>
+        <p:nvPr/>
+      </p:nvGrpSpPr>
+      <p:grpSpPr>
+        <a:xfrm>
+          <a:off x="0" y="0"/>
+          <a:ext cx="0" cy="0"/>
+          <a:chOff x="0" y="0"/>
+          <a:chExt cx="0" cy="0"/>
+        </a:xfrm>
+      </p:grpSpPr>
+      <p:sp>
+        <p:nvSpPr>
+          <p:cNvPr id="279" name="Google Shape;279;p28"/>
+          <p:cNvSpPr txBox="1"/>
+          <p:nvPr/>
+        </p:nvSpPr>
+        <p:spPr>
+          <a:xfrm>
+            <a:off x="626378" y="1357834"/>
+            <a:ext cx="8836404" cy="1200288"/>
+          </a:xfrm>
+          <a:prstGeom prst="rect">
+            <a:avLst/>
+          </a:prstGeom>
+          <a:noFill/>
+          <a:ln>
+            <a:noFill/>
+          </a:ln>
+        </p:spPr>
+        <p:txBody>
+          <a:bodyPr spcFirstLastPara="1" wrap="square" lIns="91425" tIns="45700" rIns="91425" bIns="45700" anchor="t" anchorCtr="0">
+            <a:spAutoFit/>
+          </a:bodyPr>
+          <a:lstStyle/>
+          <a:p>
+            <a:pPr marL="0" marR="0" lvl="0" indent="0" algn="l" rtl="0">
+              <a:spcBef>
+                <a:spcPts val="0"/>
+              </a:spcBef>
+              <a:spcAft>
+                <a:spcPts val="0"/>
+              </a:spcAft>
+              <a:buNone/>
+            </a:pPr>
+            <a:endParaRPr sz="1800" dirty="0">
+              <a:solidFill>
+                <a:schemeClr val="dk1"/>
+              </a:solidFill>
+              <a:latin typeface="Calibri"/>
+              <a:ea typeface="Calibri"/>
+              <a:cs typeface="Calibri"/>
+              <a:sym typeface="Calibri"/>
+            </a:endParaRPr>
+          </a:p>
+          <a:p>
+            <a:pPr marL="0" marR="0" lvl="0" indent="0" algn="l" rtl="0">
+              <a:spcBef>
+                <a:spcPts val="0"/>
+              </a:spcBef>
+              <a:spcAft>
+                <a:spcPts val="0"/>
+              </a:spcAft>
+              <a:buNone/>
+            </a:pPr>
+            <a:endParaRPr sz="1800" dirty="0">
+              <a:solidFill>
+                <a:schemeClr val="dk1"/>
+              </a:solidFill>
+              <a:latin typeface="Calibri"/>
+              <a:ea typeface="Calibri"/>
+              <a:cs typeface="Calibri"/>
+              <a:sym typeface="Calibri"/>
+            </a:endParaRPr>
+          </a:p>
+          <a:p>
+            <a:pPr marL="0" marR="0" lvl="0" indent="0" algn="l" rtl="0">
+              <a:spcBef>
+                <a:spcPts val="0"/>
+              </a:spcBef>
+              <a:spcAft>
+                <a:spcPts val="0"/>
+              </a:spcAft>
+              <a:buNone/>
+            </a:pPr>
+            <a:endParaRPr sz="1800" dirty="0">
+              <a:solidFill>
+                <a:schemeClr val="dk1"/>
+              </a:solidFill>
+              <a:latin typeface="Calibri"/>
+              <a:ea typeface="Calibri"/>
+              <a:cs typeface="Calibri"/>
+              <a:sym typeface="Calibri"/>
+            </a:endParaRPr>
+          </a:p>
+          <a:p>
+            <a:pPr marL="0" marR="0" lvl="0" indent="0" algn="l" rtl="0">
+              <a:spcBef>
+                <a:spcPts val="0"/>
+              </a:spcBef>
+              <a:spcAft>
+                <a:spcPts val="0"/>
+              </a:spcAft>
+              <a:buNone/>
+            </a:pPr>
+            <a:endParaRPr sz="1800" b="1" dirty="0">
+              <a:solidFill>
+                <a:schemeClr val="dk1"/>
+              </a:solidFill>
+              <a:latin typeface="Calibri"/>
+              <a:ea typeface="Calibri"/>
+              <a:cs typeface="Calibri"/>
+              <a:sym typeface="Calibri"/>
+            </a:endParaRPr>
+          </a:p>
+        </p:txBody>
+      </p:sp>
+      <p:pic>
+        <p:nvPicPr>
+          <p:cNvPr id="3" name="Imagen 2">
+            <a:extLst>
+              <a:ext uri="{FF2B5EF4-FFF2-40B4-BE49-F238E27FC236}">
+                <a16:creationId xmlns:a16="http://schemas.microsoft.com/office/drawing/2014/main" id="{DC88E9B1-0540-5CFF-7C77-E6B57FDF0568}"/>
+              </a:ext>
+            </a:extLst>
+          </p:cNvPr>
+          <p:cNvPicPr>
+            <a:picLocks noChangeAspect="1"/>
+          </p:cNvPicPr>
+          <p:nvPr/>
+        </p:nvPicPr>
+        <p:blipFill>
+          <a:blip r:embed="rId4"/>
+          <a:stretch>
+            <a:fillRect/>
+          </a:stretch>
+        </p:blipFill>
+        <p:spPr>
+          <a:xfrm>
+            <a:off x="2018821" y="182880"/>
+            <a:ext cx="8154357" cy="6492240"/>
+          </a:xfrm>
+          <a:prstGeom prst="rect">
+            <a:avLst/>
+          </a:prstGeom>
+        </p:spPr>
+      </p:pic>
+    </p:spTree>
+  </p:cSld>
+  <p:clrMapOvr>
+    <a:masterClrMapping/>
+  </p:clrMapOvr>
+</p:sld>
+</file>
+
+<file path=ppt/slides/slide37.xml><?xml version="1.0" encoding="utf-8"?>
+<p:sld xmlns:a="http://schemas.openxmlformats.org/drawingml/2006/main" xmlns:r="http://schemas.openxmlformats.org/officeDocument/2006/relationships" xmlns:p="http://schemas.openxmlformats.org/presentationml/2006/main">
+  <p:cSld>
+    <p:bg>
+      <p:bgPr>
+        <a:blipFill>
+          <a:blip r:embed="rId3">
+            <a:alphaModFix/>
+          </a:blip>
+          <a:stretch>
+            <a:fillRect/>
+          </a:stretch>
+        </a:blipFill>
+        <a:effectLst/>
+      </p:bgPr>
+    </p:bg>
+    <p:spTree>
+      <p:nvGrpSpPr>
         <p:cNvPr id="1" name="Shape 278"/>
         <p:cNvGrpSpPr/>
         <p:nvPr/>
@@ -21799,6 +22377,11 @@
         </p:txBody>
       </p:sp>
     </p:spTree>
+    <p:extLst>
+      <p:ext uri="{BB962C8B-B14F-4D97-AF65-F5344CB8AC3E}">
+        <p14:creationId xmlns:p14="http://schemas.microsoft.com/office/powerpoint/2010/main" val="4182087993"/>
+      </p:ext>
+    </p:extLst>
   </p:cSld>
   <p:clrMapOvr>
     <a:masterClrMapping/>
@@ -21806,7 +22389,7 @@
 </p:sld>
 </file>
 
-<file path=ppt/slides/slide36.xml><?xml version="1.0" encoding="utf-8"?>
+<file path=ppt/slides/slide38.xml><?xml version="1.0" encoding="utf-8"?>
 <p:sld xmlns:a="http://schemas.openxmlformats.org/drawingml/2006/main" xmlns:r="http://schemas.openxmlformats.org/officeDocument/2006/relationships" xmlns:p="http://schemas.openxmlformats.org/presentationml/2006/main">
   <p:cSld>
     <p:bg>
